--- a/Meeting 28.pptx
+++ b/Meeting 28.pptx
@@ -277,7 +277,7 @@
           <a:p>
             <a:fld id="{87B85280-35B1-4DBE-8875-4F758B95EB6E}" type="datetimeFigureOut">
               <a:rPr lang="en-GB" smtClean="0"/>
-              <a:t>23/11/2021</a:t>
+              <a:t>26/11/2021</a:t>
             </a:fld>
             <a:endParaRPr lang="en-GB"/>
           </a:p>
@@ -477,7 +477,7 @@
           <a:p>
             <a:fld id="{87B85280-35B1-4DBE-8875-4F758B95EB6E}" type="datetimeFigureOut">
               <a:rPr lang="en-GB" smtClean="0"/>
-              <a:t>23/11/2021</a:t>
+              <a:t>26/11/2021</a:t>
             </a:fld>
             <a:endParaRPr lang="en-GB"/>
           </a:p>
@@ -687,7 +687,7 @@
           <a:p>
             <a:fld id="{87B85280-35B1-4DBE-8875-4F758B95EB6E}" type="datetimeFigureOut">
               <a:rPr lang="en-GB" smtClean="0"/>
-              <a:t>23/11/2021</a:t>
+              <a:t>26/11/2021</a:t>
             </a:fld>
             <a:endParaRPr lang="en-GB"/>
           </a:p>
@@ -887,7 +887,7 @@
           <a:p>
             <a:fld id="{87B85280-35B1-4DBE-8875-4F758B95EB6E}" type="datetimeFigureOut">
               <a:rPr lang="en-GB" smtClean="0"/>
-              <a:t>23/11/2021</a:t>
+              <a:t>26/11/2021</a:t>
             </a:fld>
             <a:endParaRPr lang="en-GB"/>
           </a:p>
@@ -1163,7 +1163,7 @@
           <a:p>
             <a:fld id="{87B85280-35B1-4DBE-8875-4F758B95EB6E}" type="datetimeFigureOut">
               <a:rPr lang="en-GB" smtClean="0"/>
-              <a:t>23/11/2021</a:t>
+              <a:t>26/11/2021</a:t>
             </a:fld>
             <a:endParaRPr lang="en-GB"/>
           </a:p>
@@ -1431,7 +1431,7 @@
           <a:p>
             <a:fld id="{87B85280-35B1-4DBE-8875-4F758B95EB6E}" type="datetimeFigureOut">
               <a:rPr lang="en-GB" smtClean="0"/>
-              <a:t>23/11/2021</a:t>
+              <a:t>26/11/2021</a:t>
             </a:fld>
             <a:endParaRPr lang="en-GB"/>
           </a:p>
@@ -1846,7 +1846,7 @@
           <a:p>
             <a:fld id="{87B85280-35B1-4DBE-8875-4F758B95EB6E}" type="datetimeFigureOut">
               <a:rPr lang="en-GB" smtClean="0"/>
-              <a:t>23/11/2021</a:t>
+              <a:t>26/11/2021</a:t>
             </a:fld>
             <a:endParaRPr lang="en-GB"/>
           </a:p>
@@ -1988,7 +1988,7 @@
           <a:p>
             <a:fld id="{87B85280-35B1-4DBE-8875-4F758B95EB6E}" type="datetimeFigureOut">
               <a:rPr lang="en-GB" smtClean="0"/>
-              <a:t>23/11/2021</a:t>
+              <a:t>26/11/2021</a:t>
             </a:fld>
             <a:endParaRPr lang="en-GB"/>
           </a:p>
@@ -2101,7 +2101,7 @@
           <a:p>
             <a:fld id="{87B85280-35B1-4DBE-8875-4F758B95EB6E}" type="datetimeFigureOut">
               <a:rPr lang="en-GB" smtClean="0"/>
-              <a:t>23/11/2021</a:t>
+              <a:t>26/11/2021</a:t>
             </a:fld>
             <a:endParaRPr lang="en-GB"/>
           </a:p>
@@ -2414,7 +2414,7 @@
           <a:p>
             <a:fld id="{87B85280-35B1-4DBE-8875-4F758B95EB6E}" type="datetimeFigureOut">
               <a:rPr lang="en-GB" smtClean="0"/>
-              <a:t>23/11/2021</a:t>
+              <a:t>26/11/2021</a:t>
             </a:fld>
             <a:endParaRPr lang="en-GB"/>
           </a:p>
@@ -2703,7 +2703,7 @@
           <a:p>
             <a:fld id="{87B85280-35B1-4DBE-8875-4F758B95EB6E}" type="datetimeFigureOut">
               <a:rPr lang="en-GB" smtClean="0"/>
-              <a:t>23/11/2021</a:t>
+              <a:t>26/11/2021</a:t>
             </a:fld>
             <a:endParaRPr lang="en-GB"/>
           </a:p>
@@ -2946,7 +2946,7 @@
           <a:p>
             <a:fld id="{87B85280-35B1-4DBE-8875-4F758B95EB6E}" type="datetimeFigureOut">
               <a:rPr lang="en-GB" smtClean="0"/>
-              <a:t>23/11/2021</a:t>
+              <a:t>26/11/2021</a:t>
             </a:fld>
             <a:endParaRPr lang="en-GB"/>
           </a:p>
@@ -4166,7 +4166,7 @@
           <a:p>
             <a:r>
               <a:rPr lang="en-GB" dirty="0"/>
-              <a:t>Update on rainfall model</a:t>
+              <a:t>Tasks</a:t>
             </a:r>
           </a:p>
         </p:txBody>
@@ -4202,6 +4202,26 @@
               <a:rPr lang="en-GB" dirty="0"/>
               <a:t>&gt;&gt;&gt; can identify some cases where good modelled rainfall translate to bad modelled streamflow.</a:t>
             </a:r>
+          </a:p>
+          <a:p>
+            <a:r>
+              <a:rPr lang="en-GB" dirty="0"/>
+              <a:t>Optimise with </a:t>
+            </a:r>
+            <a:r>
+              <a:rPr lang="en-GB" dirty="0" err="1"/>
+              <a:t>SCEoptim</a:t>
+            </a:r>
+            <a:endParaRPr lang="en-GB" dirty="0"/>
+          </a:p>
+          <a:p>
+            <a:r>
+              <a:rPr lang="en-GB" dirty="0"/>
+              <a:t>Attempt to shuffle monthly rainfall </a:t>
+            </a:r>
+          </a:p>
+          <a:p>
+            <a:endParaRPr lang="en-GB" dirty="0"/>
           </a:p>
         </p:txBody>
       </p:sp>
@@ -4264,7 +4284,10 @@
               <a:rPr lang="en-GB" dirty="0" err="1"/>
               <a:t>SCEoptim</a:t>
             </a:r>
-            <a:endParaRPr lang="en-GB" dirty="0"/>
+            <a:r>
+              <a:rPr lang="en-GB" dirty="0"/>
+              <a:t> with SSE as objective function</a:t>
+            </a:r>
           </a:p>
         </p:txBody>
       </p:sp>
@@ -4679,65 +4702,6 @@
           </a:p>
         </p:txBody>
       </p:sp>
-      <p:pic>
-        <p:nvPicPr>
-          <p:cNvPr id="5" name="Content Placeholder 4">
-            <a:extLst>
-              <a:ext uri="{FF2B5EF4-FFF2-40B4-BE49-F238E27FC236}">
-                <a16:creationId xmlns:a16="http://schemas.microsoft.com/office/drawing/2014/main" id="{183ACE53-1FB5-4AE6-982D-68B8C77B669A}"/>
-              </a:ext>
-            </a:extLst>
-          </p:cNvPr>
-          <p:cNvPicPr>
-            <a:picLocks noGrp="1" noChangeAspect="1"/>
-          </p:cNvPicPr>
-          <p:nvPr>
-            <p:ph idx="1"/>
-          </p:nvPr>
-        </p:nvPicPr>
-        <p:blipFill>
-          <a:blip r:embed="rId2"/>
-          <a:stretch>
-            <a:fillRect/>
-          </a:stretch>
-        </p:blipFill>
-        <p:spPr>
-          <a:xfrm>
-            <a:off x="1404530" y="2666418"/>
-            <a:ext cx="4103905" cy="3098046"/>
-          </a:xfrm>
-        </p:spPr>
-      </p:pic>
-      <p:pic>
-        <p:nvPicPr>
-          <p:cNvPr id="7" name="Picture 6">
-            <a:extLst>
-              <a:ext uri="{FF2B5EF4-FFF2-40B4-BE49-F238E27FC236}">
-                <a16:creationId xmlns:a16="http://schemas.microsoft.com/office/drawing/2014/main" id="{3DC30D6C-01E9-40C3-830D-4708062A5D0C}"/>
-              </a:ext>
-            </a:extLst>
-          </p:cNvPr>
-          <p:cNvPicPr>
-            <a:picLocks noChangeAspect="1"/>
-          </p:cNvPicPr>
-          <p:nvPr/>
-        </p:nvPicPr>
-        <p:blipFill>
-          <a:blip r:embed="rId3"/>
-          <a:stretch>
-            <a:fillRect/>
-          </a:stretch>
-        </p:blipFill>
-        <p:spPr>
-          <a:xfrm>
-            <a:off x="6683567" y="2666418"/>
-            <a:ext cx="4103905" cy="3098046"/>
-          </a:xfrm>
-          <a:prstGeom prst="rect">
-            <a:avLst/>
-          </a:prstGeom>
-        </p:spPr>
-      </p:pic>
       <p:sp>
         <p:nvSpPr>
           <p:cNvPr id="8" name="Content Placeholder 2">
@@ -4940,6 +4904,66 @@
           </a:p>
         </p:txBody>
       </p:sp>
+      <p:pic>
+        <p:nvPicPr>
+          <p:cNvPr id="17" name="Picture 16">
+            <a:extLst>
+              <a:ext uri="{FF2B5EF4-FFF2-40B4-BE49-F238E27FC236}">
+                <a16:creationId xmlns:a16="http://schemas.microsoft.com/office/drawing/2014/main" id="{0D808123-B4EE-4E49-9132-ECB5C18F6A12}"/>
+              </a:ext>
+            </a:extLst>
+          </p:cNvPr>
+          <p:cNvPicPr>
+            <a:picLocks noChangeAspect="1"/>
+          </p:cNvPicPr>
+          <p:nvPr/>
+        </p:nvPicPr>
+        <p:blipFill>
+          <a:blip r:embed="rId2"/>
+          <a:stretch>
+            <a:fillRect/>
+          </a:stretch>
+        </p:blipFill>
+        <p:spPr>
+          <a:xfrm>
+            <a:off x="323439" y="2340412"/>
+            <a:ext cx="5772561" cy="4459798"/>
+          </a:xfrm>
+          <a:prstGeom prst="rect">
+            <a:avLst/>
+          </a:prstGeom>
+        </p:spPr>
+      </p:pic>
+      <p:pic>
+        <p:nvPicPr>
+          <p:cNvPr id="19" name="Picture 18">
+            <a:extLst>
+              <a:ext uri="{FF2B5EF4-FFF2-40B4-BE49-F238E27FC236}">
+                <a16:creationId xmlns:a16="http://schemas.microsoft.com/office/drawing/2014/main" id="{29655C77-603B-4BF0-A1AE-EA97C85EC5E0}"/>
+              </a:ext>
+            </a:extLst>
+          </p:cNvPr>
+          <p:cNvPicPr>
+            <a:picLocks noChangeAspect="1"/>
+          </p:cNvPicPr>
+          <p:nvPr/>
+        </p:nvPicPr>
+        <p:blipFill>
+          <a:blip r:embed="rId3"/>
+          <a:stretch>
+            <a:fillRect/>
+          </a:stretch>
+        </p:blipFill>
+        <p:spPr>
+          <a:xfrm>
+            <a:off x="6186578" y="2340412"/>
+            <a:ext cx="5767738" cy="4517588"/>
+          </a:xfrm>
+          <a:prstGeom prst="rect">
+            <a:avLst/>
+          </a:prstGeom>
+        </p:spPr>
+      </p:pic>
     </p:spTree>
     <p:extLst>
       <p:ext uri="{BB962C8B-B14F-4D97-AF65-F5344CB8AC3E}">
@@ -5409,7 +5433,7 @@
         </p:blipFill>
         <p:spPr>
           <a:xfrm>
-            <a:off x="1369313" y="1449413"/>
+            <a:off x="1369313" y="1462113"/>
             <a:ext cx="3769599" cy="5041840"/>
           </a:xfrm>
         </p:spPr>
@@ -6779,7 +6803,7 @@
         </p:nvGrpSpPr>
         <p:grpSpPr>
           <a:xfrm>
-            <a:off x="41807" y="2363336"/>
+            <a:off x="48157" y="2382386"/>
             <a:ext cx="6054191" cy="4285003"/>
             <a:chOff x="41807" y="2363336"/>
             <a:chExt cx="6243472" cy="4285003"/>

--- a/Meeting 28.pptx
+++ b/Meeting 28.pptx
@@ -277,7 +277,7 @@
           <a:p>
             <a:fld id="{87B85280-35B1-4DBE-8875-4F758B95EB6E}" type="datetimeFigureOut">
               <a:rPr lang="en-GB" smtClean="0"/>
-              <a:t>26/11/2021</a:t>
+              <a:t>02/12/2021</a:t>
             </a:fld>
             <a:endParaRPr lang="en-GB"/>
           </a:p>
@@ -477,7 +477,7 @@
           <a:p>
             <a:fld id="{87B85280-35B1-4DBE-8875-4F758B95EB6E}" type="datetimeFigureOut">
               <a:rPr lang="en-GB" smtClean="0"/>
-              <a:t>26/11/2021</a:t>
+              <a:t>02/12/2021</a:t>
             </a:fld>
             <a:endParaRPr lang="en-GB"/>
           </a:p>
@@ -687,7 +687,7 @@
           <a:p>
             <a:fld id="{87B85280-35B1-4DBE-8875-4F758B95EB6E}" type="datetimeFigureOut">
               <a:rPr lang="en-GB" smtClean="0"/>
-              <a:t>26/11/2021</a:t>
+              <a:t>02/12/2021</a:t>
             </a:fld>
             <a:endParaRPr lang="en-GB"/>
           </a:p>
@@ -887,7 +887,7 @@
           <a:p>
             <a:fld id="{87B85280-35B1-4DBE-8875-4F758B95EB6E}" type="datetimeFigureOut">
               <a:rPr lang="en-GB" smtClean="0"/>
-              <a:t>26/11/2021</a:t>
+              <a:t>02/12/2021</a:t>
             </a:fld>
             <a:endParaRPr lang="en-GB"/>
           </a:p>
@@ -1163,7 +1163,7 @@
           <a:p>
             <a:fld id="{87B85280-35B1-4DBE-8875-4F758B95EB6E}" type="datetimeFigureOut">
               <a:rPr lang="en-GB" smtClean="0"/>
-              <a:t>26/11/2021</a:t>
+              <a:t>02/12/2021</a:t>
             </a:fld>
             <a:endParaRPr lang="en-GB"/>
           </a:p>
@@ -1431,7 +1431,7 @@
           <a:p>
             <a:fld id="{87B85280-35B1-4DBE-8875-4F758B95EB6E}" type="datetimeFigureOut">
               <a:rPr lang="en-GB" smtClean="0"/>
-              <a:t>26/11/2021</a:t>
+              <a:t>02/12/2021</a:t>
             </a:fld>
             <a:endParaRPr lang="en-GB"/>
           </a:p>
@@ -1846,7 +1846,7 @@
           <a:p>
             <a:fld id="{87B85280-35B1-4DBE-8875-4F758B95EB6E}" type="datetimeFigureOut">
               <a:rPr lang="en-GB" smtClean="0"/>
-              <a:t>26/11/2021</a:t>
+              <a:t>02/12/2021</a:t>
             </a:fld>
             <a:endParaRPr lang="en-GB"/>
           </a:p>
@@ -1988,7 +1988,7 @@
           <a:p>
             <a:fld id="{87B85280-35B1-4DBE-8875-4F758B95EB6E}" type="datetimeFigureOut">
               <a:rPr lang="en-GB" smtClean="0"/>
-              <a:t>26/11/2021</a:t>
+              <a:t>02/12/2021</a:t>
             </a:fld>
             <a:endParaRPr lang="en-GB"/>
           </a:p>
@@ -2101,7 +2101,7 @@
           <a:p>
             <a:fld id="{87B85280-35B1-4DBE-8875-4F758B95EB6E}" type="datetimeFigureOut">
               <a:rPr lang="en-GB" smtClean="0"/>
-              <a:t>26/11/2021</a:t>
+              <a:t>02/12/2021</a:t>
             </a:fld>
             <a:endParaRPr lang="en-GB"/>
           </a:p>
@@ -2414,7 +2414,7 @@
           <a:p>
             <a:fld id="{87B85280-35B1-4DBE-8875-4F758B95EB6E}" type="datetimeFigureOut">
               <a:rPr lang="en-GB" smtClean="0"/>
-              <a:t>26/11/2021</a:t>
+              <a:t>02/12/2021</a:t>
             </a:fld>
             <a:endParaRPr lang="en-GB"/>
           </a:p>
@@ -2703,7 +2703,7 @@
           <a:p>
             <a:fld id="{87B85280-35B1-4DBE-8875-4F758B95EB6E}" type="datetimeFigureOut">
               <a:rPr lang="en-GB" smtClean="0"/>
-              <a:t>26/11/2021</a:t>
+              <a:t>02/12/2021</a:t>
             </a:fld>
             <a:endParaRPr lang="en-GB"/>
           </a:p>
@@ -2946,7 +2946,7 @@
           <a:p>
             <a:fld id="{87B85280-35B1-4DBE-8875-4F758B95EB6E}" type="datetimeFigureOut">
               <a:rPr lang="en-GB" smtClean="0"/>
-              <a:t>26/11/2021</a:t>
+              <a:t>02/12/2021</a:t>
             </a:fld>
             <a:endParaRPr lang="en-GB"/>
           </a:p>
@@ -5931,58 +5931,6 @@
           </a:p>
         </p:txBody>
       </p:sp>
-      <p:sp>
-        <p:nvSpPr>
-          <p:cNvPr id="17" name="Oval 16">
-            <a:extLst>
-              <a:ext uri="{FF2B5EF4-FFF2-40B4-BE49-F238E27FC236}">
-                <a16:creationId xmlns:a16="http://schemas.microsoft.com/office/drawing/2014/main" id="{F560094D-4ED8-432B-B165-C8BBB9E407DE}"/>
-              </a:ext>
-            </a:extLst>
-          </p:cNvPr>
-          <p:cNvSpPr/>
-          <p:nvPr/>
-        </p:nvSpPr>
-        <p:spPr>
-          <a:xfrm>
-            <a:off x="923968" y="3953947"/>
-            <a:ext cx="6397518" cy="618053"/>
-          </a:xfrm>
-          <a:prstGeom prst="ellipse">
-            <a:avLst/>
-          </a:prstGeom>
-          <a:noFill/>
-          <a:ln>
-            <a:solidFill>
-              <a:srgbClr val="FF0000"/>
-            </a:solidFill>
-          </a:ln>
-        </p:spPr>
-        <p:style>
-          <a:lnRef idx="2">
-            <a:schemeClr val="accent1">
-              <a:shade val="50000"/>
-            </a:schemeClr>
-          </a:lnRef>
-          <a:fillRef idx="1">
-            <a:schemeClr val="accent1"/>
-          </a:fillRef>
-          <a:effectRef idx="0">
-            <a:schemeClr val="accent1"/>
-          </a:effectRef>
-          <a:fontRef idx="minor">
-            <a:schemeClr val="lt1"/>
-          </a:fontRef>
-        </p:style>
-        <p:txBody>
-          <a:bodyPr rtlCol="0" anchor="ctr"/>
-          <a:lstStyle/>
-          <a:p>
-            <a:pPr algn="ctr"/>
-            <a:endParaRPr lang="en-GB"/>
-          </a:p>
-        </p:txBody>
-      </p:sp>
     </p:spTree>
     <p:extLst>
       <p:ext uri="{BB962C8B-B14F-4D97-AF65-F5344CB8AC3E}">

--- a/Meeting 28.pptx
+++ b/Meeting 28.pptx
@@ -277,7 +277,7 @@
           <a:p>
             <a:fld id="{87B85280-35B1-4DBE-8875-4F758B95EB6E}" type="datetimeFigureOut">
               <a:rPr lang="en-GB" smtClean="0"/>
-              <a:t>02/12/2021</a:t>
+              <a:t>03/12/2021</a:t>
             </a:fld>
             <a:endParaRPr lang="en-GB"/>
           </a:p>
@@ -477,7 +477,7 @@
           <a:p>
             <a:fld id="{87B85280-35B1-4DBE-8875-4F758B95EB6E}" type="datetimeFigureOut">
               <a:rPr lang="en-GB" smtClean="0"/>
-              <a:t>02/12/2021</a:t>
+              <a:t>03/12/2021</a:t>
             </a:fld>
             <a:endParaRPr lang="en-GB"/>
           </a:p>
@@ -687,7 +687,7 @@
           <a:p>
             <a:fld id="{87B85280-35B1-4DBE-8875-4F758B95EB6E}" type="datetimeFigureOut">
               <a:rPr lang="en-GB" smtClean="0"/>
-              <a:t>02/12/2021</a:t>
+              <a:t>03/12/2021</a:t>
             </a:fld>
             <a:endParaRPr lang="en-GB"/>
           </a:p>
@@ -887,7 +887,7 @@
           <a:p>
             <a:fld id="{87B85280-35B1-4DBE-8875-4F758B95EB6E}" type="datetimeFigureOut">
               <a:rPr lang="en-GB" smtClean="0"/>
-              <a:t>02/12/2021</a:t>
+              <a:t>03/12/2021</a:t>
             </a:fld>
             <a:endParaRPr lang="en-GB"/>
           </a:p>
@@ -1163,7 +1163,7 @@
           <a:p>
             <a:fld id="{87B85280-35B1-4DBE-8875-4F758B95EB6E}" type="datetimeFigureOut">
               <a:rPr lang="en-GB" smtClean="0"/>
-              <a:t>02/12/2021</a:t>
+              <a:t>03/12/2021</a:t>
             </a:fld>
             <a:endParaRPr lang="en-GB"/>
           </a:p>
@@ -1431,7 +1431,7 @@
           <a:p>
             <a:fld id="{87B85280-35B1-4DBE-8875-4F758B95EB6E}" type="datetimeFigureOut">
               <a:rPr lang="en-GB" smtClean="0"/>
-              <a:t>02/12/2021</a:t>
+              <a:t>03/12/2021</a:t>
             </a:fld>
             <a:endParaRPr lang="en-GB"/>
           </a:p>
@@ -1846,7 +1846,7 @@
           <a:p>
             <a:fld id="{87B85280-35B1-4DBE-8875-4F758B95EB6E}" type="datetimeFigureOut">
               <a:rPr lang="en-GB" smtClean="0"/>
-              <a:t>02/12/2021</a:t>
+              <a:t>03/12/2021</a:t>
             </a:fld>
             <a:endParaRPr lang="en-GB"/>
           </a:p>
@@ -1988,7 +1988,7 @@
           <a:p>
             <a:fld id="{87B85280-35B1-4DBE-8875-4F758B95EB6E}" type="datetimeFigureOut">
               <a:rPr lang="en-GB" smtClean="0"/>
-              <a:t>02/12/2021</a:t>
+              <a:t>03/12/2021</a:t>
             </a:fld>
             <a:endParaRPr lang="en-GB"/>
           </a:p>
@@ -2101,7 +2101,7 @@
           <a:p>
             <a:fld id="{87B85280-35B1-4DBE-8875-4F758B95EB6E}" type="datetimeFigureOut">
               <a:rPr lang="en-GB" smtClean="0"/>
-              <a:t>02/12/2021</a:t>
+              <a:t>03/12/2021</a:t>
             </a:fld>
             <a:endParaRPr lang="en-GB"/>
           </a:p>
@@ -2414,7 +2414,7 @@
           <a:p>
             <a:fld id="{87B85280-35B1-4DBE-8875-4F758B95EB6E}" type="datetimeFigureOut">
               <a:rPr lang="en-GB" smtClean="0"/>
-              <a:t>02/12/2021</a:t>
+              <a:t>03/12/2021</a:t>
             </a:fld>
             <a:endParaRPr lang="en-GB"/>
           </a:p>
@@ -2703,7 +2703,7 @@
           <a:p>
             <a:fld id="{87B85280-35B1-4DBE-8875-4F758B95EB6E}" type="datetimeFigureOut">
               <a:rPr lang="en-GB" smtClean="0"/>
-              <a:t>02/12/2021</a:t>
+              <a:t>03/12/2021</a:t>
             </a:fld>
             <a:endParaRPr lang="en-GB"/>
           </a:p>
@@ -2946,7 +2946,7 @@
           <a:p>
             <a:fld id="{87B85280-35B1-4DBE-8875-4F758B95EB6E}" type="datetimeFigureOut">
               <a:rPr lang="en-GB" smtClean="0"/>
-              <a:t>02/12/2021</a:t>
+              <a:t>03/12/2021</a:t>
             </a:fld>
             <a:endParaRPr lang="en-GB"/>
           </a:p>
